--- a/群优化/烟花算法.pptx
+++ b/群优化/烟花算法.pptx
@@ -5,11 +5,12 @@
     <p:sldMasterId id="2147483648" r:id="rId1"/>
   </p:sldMasterIdLst>
   <p:notesMasterIdLst>
-    <p:notesMasterId r:id="rId4"/>
+    <p:notesMasterId r:id="rId5"/>
   </p:notesMasterIdLst>
   <p:sldIdLst>
     <p:sldId id="257" r:id="rId2"/>
     <p:sldId id="258" r:id="rId3"/>
+    <p:sldId id="259" r:id="rId4"/>
   </p:sldIdLst>
   <p:sldSz cx="9906000" cy="6858000" type="A4"/>
   <p:notesSz cx="6858000" cy="9144000"/>
@@ -193,7 +194,7 @@
           <a:p>
             <a:fld id="{2AAC7C12-6DF9-45E4-9333-A8D659D32AE6}" type="datetimeFigureOut">
               <a:rPr lang="zh-CN" altLang="en-US" smtClean="0"/>
-              <a:t>2019/11/2</a:t>
+              <a:t>2019/11/4</a:t>
             </a:fld>
             <a:endParaRPr lang="zh-CN" altLang="en-US"/>
           </a:p>
@@ -642,7 +643,7 @@
           <a:p>
             <a:fld id="{530820CF-B880-4189-942D-D702A7CBA730}" type="datetimeFigureOut">
               <a:rPr lang="zh-CN" altLang="en-US" smtClean="0"/>
-              <a:t>2019/11/2</a:t>
+              <a:t>2019/11/4</a:t>
             </a:fld>
             <a:endParaRPr lang="zh-CN" altLang="en-US"/>
           </a:p>
@@ -807,7 +808,7 @@
           <a:p>
             <a:fld id="{530820CF-B880-4189-942D-D702A7CBA730}" type="datetimeFigureOut">
               <a:rPr lang="zh-CN" altLang="en-US" smtClean="0"/>
-              <a:t>2019/11/2</a:t>
+              <a:t>2019/11/4</a:t>
             </a:fld>
             <a:endParaRPr lang="zh-CN" altLang="en-US"/>
           </a:p>
@@ -982,7 +983,7 @@
           <a:p>
             <a:fld id="{530820CF-B880-4189-942D-D702A7CBA730}" type="datetimeFigureOut">
               <a:rPr lang="zh-CN" altLang="en-US" smtClean="0"/>
-              <a:t>2019/11/2</a:t>
+              <a:t>2019/11/4</a:t>
             </a:fld>
             <a:endParaRPr lang="zh-CN" altLang="en-US"/>
           </a:p>
@@ -1147,7 +1148,7 @@
           <a:p>
             <a:fld id="{530820CF-B880-4189-942D-D702A7CBA730}" type="datetimeFigureOut">
               <a:rPr lang="zh-CN" altLang="en-US" smtClean="0"/>
-              <a:t>2019/11/2</a:t>
+              <a:t>2019/11/4</a:t>
             </a:fld>
             <a:endParaRPr lang="zh-CN" altLang="en-US"/>
           </a:p>
@@ -1388,7 +1389,7 @@
           <a:p>
             <a:fld id="{530820CF-B880-4189-942D-D702A7CBA730}" type="datetimeFigureOut">
               <a:rPr lang="zh-CN" altLang="en-US" smtClean="0"/>
-              <a:t>2019/11/2</a:t>
+              <a:t>2019/11/4</a:t>
             </a:fld>
             <a:endParaRPr lang="zh-CN" altLang="en-US"/>
           </a:p>
@@ -1671,7 +1672,7 @@
           <a:p>
             <a:fld id="{530820CF-B880-4189-942D-D702A7CBA730}" type="datetimeFigureOut">
               <a:rPr lang="zh-CN" altLang="en-US" smtClean="0"/>
-              <a:t>2019/11/2</a:t>
+              <a:t>2019/11/4</a:t>
             </a:fld>
             <a:endParaRPr lang="zh-CN" altLang="en-US"/>
           </a:p>
@@ -2088,7 +2089,7 @@
           <a:p>
             <a:fld id="{530820CF-B880-4189-942D-D702A7CBA730}" type="datetimeFigureOut">
               <a:rPr lang="zh-CN" altLang="en-US" smtClean="0"/>
-              <a:t>2019/11/2</a:t>
+              <a:t>2019/11/4</a:t>
             </a:fld>
             <a:endParaRPr lang="zh-CN" altLang="en-US"/>
           </a:p>
@@ -2201,7 +2202,7 @@
           <a:p>
             <a:fld id="{530820CF-B880-4189-942D-D702A7CBA730}" type="datetimeFigureOut">
               <a:rPr lang="zh-CN" altLang="en-US" smtClean="0"/>
-              <a:t>2019/11/2</a:t>
+              <a:t>2019/11/4</a:t>
             </a:fld>
             <a:endParaRPr lang="zh-CN" altLang="en-US"/>
           </a:p>
@@ -2291,7 +2292,7 @@
           <a:p>
             <a:fld id="{530820CF-B880-4189-942D-D702A7CBA730}" type="datetimeFigureOut">
               <a:rPr lang="zh-CN" altLang="en-US" smtClean="0"/>
-              <a:t>2019/11/2</a:t>
+              <a:t>2019/11/4</a:t>
             </a:fld>
             <a:endParaRPr lang="zh-CN" altLang="en-US"/>
           </a:p>
@@ -2563,7 +2564,7 @@
           <a:p>
             <a:fld id="{530820CF-B880-4189-942D-D702A7CBA730}" type="datetimeFigureOut">
               <a:rPr lang="zh-CN" altLang="en-US" smtClean="0"/>
-              <a:t>2019/11/2</a:t>
+              <a:t>2019/11/4</a:t>
             </a:fld>
             <a:endParaRPr lang="zh-CN" altLang="en-US"/>
           </a:p>
@@ -2811,7 +2812,7 @@
           <a:p>
             <a:fld id="{530820CF-B880-4189-942D-D702A7CBA730}" type="datetimeFigureOut">
               <a:rPr lang="zh-CN" altLang="en-US" smtClean="0"/>
-              <a:t>2019/11/2</a:t>
+              <a:t>2019/11/4</a:t>
             </a:fld>
             <a:endParaRPr lang="zh-CN" altLang="en-US"/>
           </a:p>
@@ -3019,7 +3020,7 @@
           <a:p>
             <a:fld id="{530820CF-B880-4189-942D-D702A7CBA730}" type="datetimeFigureOut">
               <a:rPr lang="zh-CN" altLang="en-US" smtClean="0"/>
-              <a:t>2019/11/2</a:t>
+              <a:t>2019/11/4</a:t>
             </a:fld>
             <a:endParaRPr lang="zh-CN" altLang="en-US"/>
           </a:p>
@@ -6766,6 +6767,153 @@
 </p:sld>
 </file>
 
+<file path=ppt/slides/slide3.xml><?xml version="1.0" encoding="utf-8"?>
+<p:sld xmlns:a="http://schemas.openxmlformats.org/drawingml/2006/main" xmlns:r="http://schemas.openxmlformats.org/officeDocument/2006/relationships" xmlns:p="http://schemas.openxmlformats.org/presentationml/2006/main">
+  <p:cSld>
+    <p:spTree>
+      <p:nvGrpSpPr>
+        <p:cNvPr id="1" name=""/>
+        <p:cNvGrpSpPr/>
+        <p:nvPr/>
+      </p:nvGrpSpPr>
+      <p:grpSpPr>
+        <a:xfrm>
+          <a:off x="0" y="0"/>
+          <a:ext cx="0" cy="0"/>
+          <a:chOff x="0" y="0"/>
+          <a:chExt cx="0" cy="0"/>
+        </a:xfrm>
+      </p:grpSpPr>
+      <p:sp>
+        <p:nvSpPr>
+          <p:cNvPr id="3" name="矩形 2"/>
+          <p:cNvSpPr/>
+          <p:nvPr/>
+        </p:nvSpPr>
+        <p:spPr>
+          <a:xfrm>
+            <a:off x="3104047" y="1916832"/>
+            <a:ext cx="2967479" cy="1754326"/>
+          </a:xfrm>
+          <a:prstGeom prst="rect">
+            <a:avLst/>
+          </a:prstGeom>
+          <a:noFill/>
+        </p:spPr>
+        <p:txBody>
+          <a:bodyPr wrap="none" lIns="91440" tIns="45720" rIns="91440" bIns="45720">
+            <a:spAutoFit/>
+            <a:scene3d>
+              <a:camera prst="orthographicFront"/>
+              <a:lightRig rig="brightRoom" dir="t"/>
+            </a:scene3d>
+            <a:sp3d contourW="6350" prstMaterial="plastic">
+              <a:bevelT w="20320" h="20320" prst="angle"/>
+              <a:contourClr>
+                <a:schemeClr val="accent1">
+                  <a:tint val="100000"/>
+                  <a:shade val="100000"/>
+                  <a:hueMod val="100000"/>
+                  <a:satMod val="100000"/>
+                </a:schemeClr>
+              </a:contourClr>
+            </a:sp3d>
+          </a:bodyPr>
+          <a:lstStyle/>
+          <a:p>
+            <a:pPr algn="ctr"/>
+            <a:r>
+              <a:rPr lang="zh-CN" altLang="en-US" sz="5400" b="1" cap="all" spc="0" dirty="0" smtClean="0">
+                <a:ln/>
+                <a:solidFill>
+                  <a:schemeClr val="accent1"/>
+                </a:solidFill>
+                <a:effectLst>
+                  <a:outerShdw blurRad="19685" dist="12700" dir="5400000" algn="tl" rotWithShape="0">
+                    <a:schemeClr val="accent1">
+                      <a:satMod val="130000"/>
+                      <a:alpha val="60000"/>
+                    </a:schemeClr>
+                  </a:outerShdw>
+                  <a:reflection blurRad="10000" stA="55000" endPos="48000" dist="500" dir="5400000" sy="-100000" algn="bl" rotWithShape="0"/>
+                </a:effectLst>
+              </a:rPr>
+              <a:t>群体智能</a:t>
+            </a:r>
+            <a:endParaRPr lang="en-US" altLang="zh-CN" sz="5400" b="1" cap="all" spc="0" dirty="0" smtClean="0">
+              <a:ln/>
+              <a:solidFill>
+                <a:schemeClr val="accent1"/>
+              </a:solidFill>
+              <a:effectLst>
+                <a:outerShdw blurRad="19685" dist="12700" dir="5400000" algn="tl" rotWithShape="0">
+                  <a:schemeClr val="accent1">
+                    <a:satMod val="130000"/>
+                    <a:alpha val="60000"/>
+                  </a:schemeClr>
+                </a:outerShdw>
+                <a:reflection blurRad="10000" stA="55000" endPos="48000" dist="500" dir="5400000" sy="-100000" algn="bl" rotWithShape="0"/>
+              </a:effectLst>
+            </a:endParaRPr>
+          </a:p>
+          <a:p>
+            <a:pPr algn="ctr"/>
+            <a:r>
+              <a:rPr lang="zh-CN" altLang="en-US" sz="5400" b="1" cap="all" spc="0" dirty="0" smtClean="0">
+                <a:ln/>
+                <a:solidFill>
+                  <a:schemeClr val="accent1"/>
+                </a:solidFill>
+                <a:effectLst>
+                  <a:outerShdw blurRad="19685" dist="12700" dir="5400000" algn="tl" rotWithShape="0">
+                    <a:schemeClr val="accent1">
+                      <a:satMod val="130000"/>
+                      <a:alpha val="60000"/>
+                    </a:schemeClr>
+                  </a:outerShdw>
+                  <a:reflection blurRad="10000" stA="55000" endPos="48000" dist="500" dir="5400000" sy="-100000" algn="bl" rotWithShape="0"/>
+                </a:effectLst>
+              </a:rPr>
+              <a:t>优化算法</a:t>
+            </a:r>
+            <a:endParaRPr lang="zh-CN" altLang="en-US" sz="5400" b="1" cap="all" spc="0" dirty="0">
+              <a:ln/>
+              <a:solidFill>
+                <a:schemeClr val="accent1"/>
+              </a:solidFill>
+              <a:effectLst>
+                <a:outerShdw blurRad="19685" dist="12700" dir="5400000" algn="tl" rotWithShape="0">
+                  <a:schemeClr val="accent1">
+                    <a:satMod val="130000"/>
+                    <a:alpha val="60000"/>
+                  </a:schemeClr>
+                </a:outerShdw>
+                <a:reflection blurRad="10000" stA="55000" endPos="48000" dist="500" dir="5400000" sy="-100000" algn="bl" rotWithShape="0"/>
+              </a:effectLst>
+            </a:endParaRPr>
+          </a:p>
+        </p:txBody>
+      </p:sp>
+    </p:spTree>
+    <p:extLst>
+      <p:ext uri="{BB962C8B-B14F-4D97-AF65-F5344CB8AC3E}">
+        <p14:creationId xmlns:p14="http://schemas.microsoft.com/office/powerpoint/2010/main" val="1701307949"/>
+      </p:ext>
+    </p:extLst>
+  </p:cSld>
+  <p:clrMapOvr>
+    <a:masterClrMapping/>
+  </p:clrMapOvr>
+  <p:timing>
+    <p:tnLst>
+      <p:par>
+        <p:cTn id="1" dur="indefinite" restart="never" nodeType="tmRoot"/>
+      </p:par>
+    </p:tnLst>
+  </p:timing>
+</p:sld>
+</file>
+
 <file path=ppt/theme/theme1.xml><?xml version="1.0" encoding="utf-8"?>
 <a:theme xmlns:a="http://schemas.openxmlformats.org/drawingml/2006/main" name="Office 主题">
   <a:themeElements>
